--- a/slides/Online/2020/14- FileInput.pptx
+++ b/slides/Online/2020/14- FileInput.pptx
@@ -220,7 +220,7 @@
           <a:p>
             <a:fld id="{4D7E51A5-B478-1E40-8CBB-0DAA8831E99D}" type="datetimeFigureOut">
               <a:rPr lang="en-US" smtClean="0"/>
-              <a:t>3/17/20</a:t>
+              <a:t>4/11/20</a:t>
             </a:fld>
             <a:endParaRPr lang="en-US"/>
           </a:p>
@@ -385,7 +385,7 @@
           <a:p>
             <a:fld id="{D0ED587F-861E-6740-9643-E3DDAE89B8D6}" type="datetimeFigureOut">
               <a:rPr lang="en-US" smtClean="0"/>
-              <a:t>3/17/20</a:t>
+              <a:t>4/11/20</a:t>
             </a:fld>
             <a:endParaRPr lang="en-US"/>
           </a:p>
@@ -4278,8 +4278,8 @@
         </p:blipFill>
         <p:spPr>
           <a:xfrm>
-            <a:off x="9827882" y="6733969"/>
-            <a:ext cx="3520440" cy="787424"/>
+            <a:off x="10377557" y="6748467"/>
+            <a:ext cx="3078083" cy="688481"/>
           </a:xfrm>
           <a:prstGeom prst="rect">
             <a:avLst/>
@@ -4300,7 +4300,7 @@
         </p:nvSpPr>
         <p:spPr>
           <a:xfrm>
-            <a:off x="10549054" y="7264322"/>
+            <a:off x="10886026" y="7231207"/>
             <a:ext cx="2497873" cy="276999"/>
           </a:xfrm>
           <a:prstGeom prst="rect">
@@ -4339,8 +4339,8 @@
         </p:nvSpPr>
         <p:spPr>
           <a:xfrm>
-            <a:off x="9287446" y="7508206"/>
-            <a:ext cx="4601311" cy="246221"/>
+            <a:off x="10537902" y="7508206"/>
+            <a:ext cx="3350855" cy="215444"/>
           </a:xfrm>
           <a:prstGeom prst="rect">
             <a:avLst/>
@@ -4361,7 +4361,7 @@
               </a:spcAft>
             </a:pPr>
             <a:r>
-              <a:rPr lang="en-US" sz="1000" b="0" i="0" u="none" strike="noStrike" dirty="0">
+              <a:rPr lang="en-US" sz="800" b="0" i="0" u="none" strike="noStrike" dirty="0">
                 <a:solidFill>
                   <a:srgbClr val="7F7F7F"/>
                 </a:solidFill>
@@ -4371,7 +4371,7 @@
               <a:t>Slides Originally Created by Albert Lionelle (</a:t>
             </a:r>
             <a:r>
-              <a:rPr lang="en-US" sz="1000" b="0" i="0" u="none" strike="noStrike" dirty="0" err="1">
+              <a:rPr lang="en-US" sz="800" b="0" i="0" u="none" strike="noStrike" dirty="0" err="1">
                 <a:solidFill>
                   <a:srgbClr val="7F7F7F"/>
                 </a:solidFill>
@@ -4381,7 +4381,7 @@
               <a:t>Albert.Lionelle@colostate.edu</a:t>
             </a:r>
             <a:r>
-              <a:rPr lang="en-US" sz="1000" b="0" i="0" u="none" strike="noStrike" dirty="0">
+              <a:rPr lang="en-US" sz="800" b="0" i="0" u="none" strike="noStrike" dirty="0">
                 <a:solidFill>
                   <a:srgbClr val="7F7F7F"/>
                 </a:solidFill>
@@ -4390,7 +4390,7 @@
               </a:rPr>
               <a:t>)</a:t>
             </a:r>
-            <a:endParaRPr lang="en-US" sz="1000" b="0" dirty="0">
+            <a:endParaRPr lang="en-US" sz="800" b="0" dirty="0">
               <a:solidFill>
                 <a:srgbClr val="7F7F7F"/>
               </a:solidFill>
@@ -7022,21 +7022,21 @@
               <a:buNone/>
             </a:pPr>
             <a:r>
-              <a:rPr lang="en-US" dirty="0">
+              <a:rPr lang="en-US" sz="1600" dirty="0">
                 <a:latin typeface="Consolas" panose="020B0609020204030204" pitchFamily="49" charset="0"/>
                 <a:cs typeface="Consolas" panose="020B0609020204030204" pitchFamily="49" charset="0"/>
               </a:rPr>
               <a:t>Scanner scanner = new Scanner(new File(“</a:t>
             </a:r>
             <a:r>
-              <a:rPr lang="en-US" dirty="0" err="1">
+              <a:rPr lang="en-US" sz="1600" dirty="0" err="1">
                 <a:latin typeface="Consolas" panose="020B0609020204030204" pitchFamily="49" charset="0"/>
                 <a:cs typeface="Consolas" panose="020B0609020204030204" pitchFamily="49" charset="0"/>
               </a:rPr>
               <a:t>input.txt</a:t>
             </a:r>
             <a:r>
-              <a:rPr lang="en-US" dirty="0">
+              <a:rPr lang="en-US" sz="1600" dirty="0">
                 <a:latin typeface="Consolas" panose="020B0609020204030204" pitchFamily="49" charset="0"/>
                 <a:cs typeface="Consolas" panose="020B0609020204030204" pitchFamily="49" charset="0"/>
               </a:rPr>
@@ -7048,21 +7048,21 @@
               <a:buNone/>
             </a:pPr>
             <a:r>
-              <a:rPr lang="en-US" dirty="0">
+              <a:rPr lang="en-US" sz="1600" dirty="0">
                 <a:latin typeface="Consolas" panose="020B0609020204030204" pitchFamily="49" charset="0"/>
                 <a:cs typeface="Consolas" panose="020B0609020204030204" pitchFamily="49" charset="0"/>
               </a:rPr>
               <a:t>String line = </a:t>
             </a:r>
             <a:r>
-              <a:rPr lang="en-US" dirty="0" err="1">
+              <a:rPr lang="en-US" sz="1600" dirty="0" err="1">
                 <a:latin typeface="Consolas" panose="020B0609020204030204" pitchFamily="49" charset="0"/>
                 <a:cs typeface="Consolas" panose="020B0609020204030204" pitchFamily="49" charset="0"/>
               </a:rPr>
               <a:t>scanner.nextLine</a:t>
             </a:r>
             <a:r>
-              <a:rPr lang="en-US" dirty="0">
+              <a:rPr lang="en-US" sz="1600" dirty="0">
                 <a:latin typeface="Consolas" panose="020B0609020204030204" pitchFamily="49" charset="0"/>
                 <a:cs typeface="Consolas" panose="020B0609020204030204" pitchFamily="49" charset="0"/>
               </a:rPr>
@@ -7074,35 +7074,35 @@
               <a:buNone/>
             </a:pPr>
             <a:r>
-              <a:rPr lang="en-US" dirty="0">
+              <a:rPr lang="en-US" sz="1600" dirty="0">
                 <a:latin typeface="Consolas" panose="020B0609020204030204" pitchFamily="49" charset="0"/>
                 <a:cs typeface="Consolas" panose="020B0609020204030204" pitchFamily="49" charset="0"/>
               </a:rPr>
               <a:t>double </a:t>
             </a:r>
             <a:r>
-              <a:rPr lang="en-US" dirty="0" err="1">
+              <a:rPr lang="en-US" sz="1600" dirty="0" err="1">
                 <a:latin typeface="Consolas" panose="020B0609020204030204" pitchFamily="49" charset="0"/>
                 <a:cs typeface="Consolas" panose="020B0609020204030204" pitchFamily="49" charset="0"/>
               </a:rPr>
               <a:t>dbl</a:t>
             </a:r>
             <a:r>
-              <a:rPr lang="en-US" dirty="0">
+              <a:rPr lang="en-US" sz="1600" dirty="0">
                 <a:latin typeface="Consolas" panose="020B0609020204030204" pitchFamily="49" charset="0"/>
                 <a:cs typeface="Consolas" panose="020B0609020204030204" pitchFamily="49" charset="0"/>
               </a:rPr>
               <a:t> = </a:t>
             </a:r>
             <a:r>
-              <a:rPr lang="en-US" dirty="0" err="1">
+              <a:rPr lang="en-US" sz="1600" dirty="0" err="1">
                 <a:latin typeface="Consolas" panose="020B0609020204030204" pitchFamily="49" charset="0"/>
                 <a:cs typeface="Consolas" panose="020B0609020204030204" pitchFamily="49" charset="0"/>
               </a:rPr>
               <a:t>scanner.nextDouble</a:t>
             </a:r>
             <a:r>
-              <a:rPr lang="en-US" dirty="0">
+              <a:rPr lang="en-US" sz="1600" dirty="0">
                 <a:latin typeface="Consolas" panose="020B0609020204030204" pitchFamily="49" charset="0"/>
                 <a:cs typeface="Consolas" panose="020B0609020204030204" pitchFamily="49" charset="0"/>
               </a:rPr>
@@ -7114,14 +7114,14 @@
               <a:buNone/>
             </a:pPr>
             <a:r>
-              <a:rPr lang="en-US" dirty="0" err="1">
+              <a:rPr lang="en-US" sz="1600" dirty="0" err="1">
                 <a:latin typeface="Consolas" panose="020B0609020204030204" pitchFamily="49" charset="0"/>
                 <a:cs typeface="Consolas" panose="020B0609020204030204" pitchFamily="49" charset="0"/>
               </a:rPr>
               <a:t>scanner.hasNextLine</a:t>
             </a:r>
             <a:r>
-              <a:rPr lang="en-US" dirty="0">
+              <a:rPr lang="en-US" sz="1600" dirty="0">
                 <a:latin typeface="Consolas" panose="020B0609020204030204" pitchFamily="49" charset="0"/>
                 <a:cs typeface="Consolas" panose="020B0609020204030204" pitchFamily="49" charset="0"/>
               </a:rPr>
@@ -7133,14 +7133,14 @@
               <a:buNone/>
             </a:pPr>
             <a:r>
-              <a:rPr lang="en-US" dirty="0" err="1">
+              <a:rPr lang="en-US" sz="1600" dirty="0" err="1">
                 <a:latin typeface="Consolas" panose="020B0609020204030204" pitchFamily="49" charset="0"/>
                 <a:cs typeface="Consolas" panose="020B0609020204030204" pitchFamily="49" charset="0"/>
               </a:rPr>
               <a:t>scanner.hasNext</a:t>
             </a:r>
             <a:r>
-              <a:rPr lang="en-US" dirty="0">
+              <a:rPr lang="en-US" sz="1600" dirty="0">
                 <a:latin typeface="Consolas" panose="020B0609020204030204" pitchFamily="49" charset="0"/>
                 <a:cs typeface="Consolas" panose="020B0609020204030204" pitchFamily="49" charset="0"/>
               </a:rPr>
@@ -7377,8 +7377,8 @@
         </p:blipFill>
         <p:spPr bwMode="auto">
           <a:xfrm>
-            <a:off x="628071" y="5791201"/>
-            <a:ext cx="9978275" cy="1234674"/>
+            <a:off x="628071" y="5686448"/>
+            <a:ext cx="7959295" cy="984853"/>
           </a:xfrm>
           <a:prstGeom prst="rect">
             <a:avLst/>
@@ -7753,7 +7753,7 @@
         </p:nvSpPr>
         <p:spPr>
           <a:xfrm>
-            <a:off x="9677400" y="4324506"/>
+            <a:off x="9757769" y="1776682"/>
             <a:ext cx="3512128" cy="2629694"/>
           </a:xfrm>
         </p:spPr>
@@ -8189,7 +8189,7 @@
         </p:nvSpPr>
         <p:spPr>
           <a:xfrm>
-            <a:off x="9951028" y="2124455"/>
+            <a:off x="2635828" y="5983356"/>
             <a:ext cx="3238500" cy="1323439"/>
           </a:xfrm>
           <a:prstGeom prst="rect">
@@ -8240,46 +8240,6 @@
                 <a:latin typeface="Arial" panose="020B0604020202020204" pitchFamily="34" charset="0"/>
               </a:rPr>
               <a:t>Look out!</a:t>
-            </a:r>
-            <a:endParaRPr lang="en-US" dirty="0"/>
-          </a:p>
-        </p:txBody>
-      </p:sp>
-      <p:sp>
-        <p:nvSpPr>
-          <p:cNvPr id="6" name="TextBox 5">
-            <a:extLst>
-              <a:ext uri="{FF2B5EF4-FFF2-40B4-BE49-F238E27FC236}">
-                <a16:creationId xmlns:a16="http://schemas.microsoft.com/office/drawing/2014/main" id="{D40DB4DA-9BCA-3A46-B838-E56A0FBAE4E3}"/>
-              </a:ext>
-            </a:extLst>
-          </p:cNvPr>
-          <p:cNvSpPr txBox="1"/>
-          <p:nvPr/>
-        </p:nvSpPr>
-        <p:spPr>
-          <a:xfrm>
-            <a:off x="10020300" y="1638300"/>
-            <a:ext cx="2463800" cy="400110"/>
-          </a:xfrm>
-          <a:prstGeom prst="rect">
-            <a:avLst/>
-          </a:prstGeom>
-          <a:noFill/>
-        </p:spPr>
-        <p:txBody>
-          <a:bodyPr wrap="square" rtlCol="0">
-            <a:spAutoFit/>
-          </a:bodyPr>
-          <a:lstStyle/>
-          <a:p>
-            <a:r>
-              <a:rPr lang="en-US" dirty="0"/>
-              <a:t>contents of </a:t>
-            </a:r>
-            <a:r>
-              <a:rPr lang="en-US" dirty="0" err="1"/>
-              <a:t>file.txt</a:t>
             </a:r>
             <a:endParaRPr lang="en-US" dirty="0"/>
           </a:p>
@@ -8455,7 +8415,7 @@
         </p:nvSpPr>
         <p:spPr>
           <a:xfrm>
-            <a:off x="1562100" y="1837254"/>
+            <a:off x="628075" y="1837254"/>
             <a:ext cx="10693400" cy="3272691"/>
           </a:xfrm>
           <a:prstGeom prst="rect">
@@ -8808,7 +8768,7 @@
         </p:nvSpPr>
         <p:spPr>
           <a:xfrm>
-            <a:off x="3454400" y="5264468"/>
+            <a:off x="628075" y="5388646"/>
             <a:ext cx="6908800" cy="1631216"/>
           </a:xfrm>
           <a:prstGeom prst="rect">

--- a/slides/Online/2020/14- FileInput.pptx
+++ b/slides/Online/2020/14- FileInput.pptx
@@ -4278,7 +4278,7 @@
         </p:blipFill>
         <p:spPr>
           <a:xfrm>
-            <a:off x="10377557" y="6748467"/>
+            <a:off x="10791822" y="6819725"/>
             <a:ext cx="3078083" cy="688481"/>
           </a:xfrm>
           <a:prstGeom prst="rect">
@@ -4300,7 +4300,7 @@
         </p:nvSpPr>
         <p:spPr>
           <a:xfrm>
-            <a:off x="10886026" y="7231207"/>
+            <a:off x="11319727" y="7231207"/>
             <a:ext cx="2497873" cy="276999"/>
           </a:xfrm>
           <a:prstGeom prst="rect">
@@ -4339,8 +4339,8 @@
         </p:nvSpPr>
         <p:spPr>
           <a:xfrm>
-            <a:off x="10537902" y="7508206"/>
-            <a:ext cx="3350855" cy="215444"/>
+            <a:off x="10553701" y="7508206"/>
+            <a:ext cx="3368510" cy="215444"/>
           </a:xfrm>
           <a:prstGeom prst="rect">
             <a:avLst/>
@@ -7968,7 +7968,7 @@
                 </a:solidFill>
                 <a:latin typeface="Consolas" panose="020B0609020204030204" pitchFamily="49" charset="0"/>
               </a:rPr>
-              <a:t>fileHandler.hasNext</a:t>
+              <a:t>fileHandler.hasNextLine</a:t>
             </a:r>
             <a:r>
               <a:rPr lang="en-US" dirty="0">
